--- a/src/doc/HMI监控系统V1.2.pptx
+++ b/src/doc/HMI监控系统V1.2.pptx
@@ -343,25 +343,25 @@
           </c:val>
         </c:ser>
         <c:marker val="1"/>
-        <c:axId val="55565696"/>
-        <c:axId val="88488576"/>
+        <c:axId val="84230528"/>
+        <c:axId val="84233600"/>
       </c:lineChart>
       <c:catAx>
-        <c:axId val="55565696"/>
+        <c:axId val="84230528"/>
         <c:scaling>
           <c:orientation val="minMax"/>
         </c:scaling>
         <c:axPos val="b"/>
         <c:numFmt formatCode="General" sourceLinked="1"/>
         <c:tickLblPos val="nextTo"/>
-        <c:crossAx val="88488576"/>
+        <c:crossAx val="84233600"/>
         <c:crosses val="autoZero"/>
         <c:auto val="1"/>
         <c:lblAlgn val="ctr"/>
         <c:lblOffset val="100"/>
       </c:catAx>
       <c:valAx>
-        <c:axId val="88488576"/>
+        <c:axId val="84233600"/>
         <c:scaling>
           <c:orientation val="minMax"/>
         </c:scaling>
@@ -369,7 +369,7 @@
         <c:majorGridlines/>
         <c:numFmt formatCode="General" sourceLinked="1"/>
         <c:tickLblPos val="nextTo"/>
-        <c:crossAx val="55565696"/>
+        <c:crossAx val="84230528"/>
         <c:crosses val="autoZero"/>
         <c:crossBetween val="between"/>
       </c:valAx>
@@ -604,25 +604,25 @@
           </c:val>
         </c:ser>
         <c:marker val="1"/>
-        <c:axId val="181184000"/>
-        <c:axId val="181186944"/>
+        <c:axId val="103904384"/>
+        <c:axId val="103905920"/>
       </c:lineChart>
       <c:catAx>
-        <c:axId val="181184000"/>
+        <c:axId val="103904384"/>
         <c:scaling>
           <c:orientation val="minMax"/>
         </c:scaling>
         <c:axPos val="b"/>
         <c:numFmt formatCode="General" sourceLinked="1"/>
         <c:tickLblPos val="nextTo"/>
-        <c:crossAx val="181186944"/>
+        <c:crossAx val="103905920"/>
         <c:crosses val="autoZero"/>
         <c:auto val="1"/>
         <c:lblAlgn val="ctr"/>
         <c:lblOffset val="100"/>
       </c:catAx>
       <c:valAx>
-        <c:axId val="181186944"/>
+        <c:axId val="103905920"/>
         <c:scaling>
           <c:orientation val="minMax"/>
         </c:scaling>
@@ -630,7 +630,7 @@
         <c:majorGridlines/>
         <c:numFmt formatCode="General" sourceLinked="1"/>
         <c:tickLblPos val="nextTo"/>
-        <c:crossAx val="181184000"/>
+        <c:crossAx val="103904384"/>
         <c:crosses val="autoZero"/>
         <c:crossBetween val="between"/>
       </c:valAx>
@@ -734,7 +734,7 @@
             <a:fld id="{9E236587-32C8-49BF-A15C-979903894B0D}" type="datetimeFigureOut">
               <a:rPr lang="zh-CN" altLang="en-US" smtClean="0"/>
               <a:pPr/>
-              <a:t>2020/4/13</a:t>
+              <a:t>2020/4/15</a:t>
             </a:fld>
             <a:endParaRPr lang="zh-CN" altLang="en-US"/>
           </a:p>
@@ -2975,7 +2975,7 @@
             <a:fld id="{7412956F-9087-4737-8A5F-E83AE7A56D77}" type="datetimeFigureOut">
               <a:rPr lang="zh-CN" altLang="en-US" smtClean="0"/>
               <a:pPr/>
-              <a:t>2020/4/13</a:t>
+              <a:t>2020/4/15</a:t>
             </a:fld>
             <a:endParaRPr lang="zh-CN" altLang="en-US"/>
           </a:p>
@@ -3160,7 +3160,7 @@
             <a:fld id="{7412956F-9087-4737-8A5F-E83AE7A56D77}" type="datetimeFigureOut">
               <a:rPr lang="zh-CN" altLang="en-US" smtClean="0"/>
               <a:pPr/>
-              <a:t>2020/4/13</a:t>
+              <a:t>2020/4/15</a:t>
             </a:fld>
             <a:endParaRPr lang="zh-CN" altLang="en-US"/>
           </a:p>
@@ -3337,7 +3337,7 @@
             <a:fld id="{7412956F-9087-4737-8A5F-E83AE7A56D77}" type="datetimeFigureOut">
               <a:rPr lang="zh-CN" altLang="en-US" smtClean="0"/>
               <a:pPr/>
-              <a:t>2020/4/13</a:t>
+              <a:t>2020/4/15</a:t>
             </a:fld>
             <a:endParaRPr lang="zh-CN" altLang="en-US"/>
           </a:p>
@@ -3504,7 +3504,7 @@
             <a:fld id="{7412956F-9087-4737-8A5F-E83AE7A56D77}" type="datetimeFigureOut">
               <a:rPr lang="zh-CN" altLang="en-US" smtClean="0"/>
               <a:pPr/>
-              <a:t>2020/4/13</a:t>
+              <a:t>2020/4/15</a:t>
             </a:fld>
             <a:endParaRPr lang="zh-CN" altLang="en-US"/>
           </a:p>
@@ -3727,7 +3727,7 @@
             <a:fld id="{7412956F-9087-4737-8A5F-E83AE7A56D77}" type="datetimeFigureOut">
               <a:rPr lang="zh-CN" altLang="en-US" smtClean="0"/>
               <a:pPr/>
-              <a:t>2020/4/13</a:t>
+              <a:t>2020/4/15</a:t>
             </a:fld>
             <a:endParaRPr lang="zh-CN" altLang="en-US"/>
           </a:p>
@@ -3988,7 +3988,7 @@
             <a:fld id="{7412956F-9087-4737-8A5F-E83AE7A56D77}" type="datetimeFigureOut">
               <a:rPr lang="zh-CN" altLang="en-US" smtClean="0"/>
               <a:pPr/>
-              <a:t>2020/4/13</a:t>
+              <a:t>2020/4/15</a:t>
             </a:fld>
             <a:endParaRPr lang="zh-CN" altLang="en-US"/>
           </a:p>
@@ -4394,7 +4394,7 @@
             <a:fld id="{7412956F-9087-4737-8A5F-E83AE7A56D77}" type="datetimeFigureOut">
               <a:rPr lang="zh-CN" altLang="en-US" smtClean="0"/>
               <a:pPr/>
-              <a:t>2020/4/13</a:t>
+              <a:t>2020/4/15</a:t>
             </a:fld>
             <a:endParaRPr lang="zh-CN" altLang="en-US"/>
           </a:p>
@@ -4527,7 +4527,7 @@
             <a:fld id="{7412956F-9087-4737-8A5F-E83AE7A56D77}" type="datetimeFigureOut">
               <a:rPr lang="zh-CN" altLang="en-US" smtClean="0"/>
               <a:pPr/>
-              <a:t>2020/4/13</a:t>
+              <a:t>2020/4/15</a:t>
             </a:fld>
             <a:endParaRPr lang="zh-CN" altLang="en-US"/>
           </a:p>
@@ -4629,7 +4629,7 @@
             <a:fld id="{7412956F-9087-4737-8A5F-E83AE7A56D77}" type="datetimeFigureOut">
               <a:rPr lang="zh-CN" altLang="en-US" smtClean="0"/>
               <a:pPr/>
-              <a:t>2020/4/13</a:t>
+              <a:t>2020/4/15</a:t>
             </a:fld>
             <a:endParaRPr lang="zh-CN" altLang="en-US"/>
           </a:p>
@@ -4876,7 +4876,7 @@
             <a:fld id="{7412956F-9087-4737-8A5F-E83AE7A56D77}" type="datetimeFigureOut">
               <a:rPr lang="zh-CN" altLang="en-US" smtClean="0"/>
               <a:pPr/>
-              <a:t>2020/4/13</a:t>
+              <a:t>2020/4/15</a:t>
             </a:fld>
             <a:endParaRPr lang="zh-CN" altLang="en-US"/>
           </a:p>
@@ -5122,7 +5122,7 @@
             <a:fld id="{7412956F-9087-4737-8A5F-E83AE7A56D77}" type="datetimeFigureOut">
               <a:rPr lang="zh-CN" altLang="en-US" smtClean="0"/>
               <a:pPr/>
-              <a:t>2020/4/13</a:t>
+              <a:t>2020/4/15</a:t>
             </a:fld>
             <a:endParaRPr lang="zh-CN" altLang="en-US"/>
           </a:p>
@@ -5948,7 +5948,7 @@
             <a:fld id="{7412956F-9087-4737-8A5F-E83AE7A56D77}" type="datetimeFigureOut">
               <a:rPr lang="zh-CN" altLang="en-US" smtClean="0"/>
               <a:pPr/>
-              <a:t>2020/4/13</a:t>
+              <a:t>2020/4/15</a:t>
             </a:fld>
             <a:endParaRPr lang="zh-CN" altLang="en-US"/>
           </a:p>
@@ -7166,7 +7166,7 @@
           <p:nvPr/>
         </p:nvPicPr>
         <p:blipFill>
-          <a:blip r:embed="rId3"/>
+          <a:blip r:embed="rId3" cstate="print"/>
           <a:srcRect/>
           <a:stretch>
             <a:fillRect/>
@@ -16940,7 +16940,7 @@
           <p:nvPr/>
         </p:nvPicPr>
         <p:blipFill>
-          <a:blip r:embed="rId3"/>
+          <a:blip r:embed="rId3" cstate="print"/>
           <a:srcRect/>
           <a:stretch>
             <a:fillRect/>
@@ -17366,7 +17366,14 @@
                 <a:latin typeface="微软雅黑" pitchFamily="34" charset="-122"/>
                 <a:ea typeface="微软雅黑" pitchFamily="34" charset="-122"/>
               </a:rPr>
-              <a:t>数据库：</a:t>
+              <a:t>数</a:t>
+            </a:r>
+            <a:r>
+              <a:rPr lang="zh-CN" altLang="en-US" sz="2000" dirty="0" smtClean="0">
+                <a:latin typeface="微软雅黑" pitchFamily="34" charset="-122"/>
+                <a:ea typeface="微软雅黑" pitchFamily="34" charset="-122"/>
+              </a:rPr>
+              <a:t>据库：</a:t>
             </a:r>
             <a:r>
               <a:rPr lang="en-US" altLang="zh-CN" sz="2000" dirty="0" smtClean="0">
